--- a/37_presentation.pptx
+++ b/37_presentation.pptx
@@ -155,7 +155,7 @@
           <p:cNvPr id="2" name="Header Placeholder 1">
             <a:extLst>
               <a:ext uri="{FF2B5EF4-FFF2-40B4-BE49-F238E27FC236}">
-                <a16:creationId xmlns:a16="http://schemas.microsoft.com/office/drawing/2014/main" xmlns="" id="{399B3372-74CF-4E21-A4D4-286B22AA5A6F}"/>
+                <a16:creationId xmlns="" xmlns:a16="http://schemas.microsoft.com/office/drawing/2014/main" id="{399B3372-74CF-4E21-A4D4-286B22AA5A6F}"/>
               </a:ext>
             </a:extLst>
           </p:cNvPr>
@@ -192,7 +192,7 @@
           <p:cNvPr id="3" name="Date Placeholder 2">
             <a:extLst>
               <a:ext uri="{FF2B5EF4-FFF2-40B4-BE49-F238E27FC236}">
-                <a16:creationId xmlns:a16="http://schemas.microsoft.com/office/drawing/2014/main" xmlns="" id="{063762BE-D43C-49F5-99A5-BF49C695927E}"/>
+                <a16:creationId xmlns="" xmlns:a16="http://schemas.microsoft.com/office/drawing/2014/main" id="{063762BE-D43C-49F5-99A5-BF49C695927E}"/>
               </a:ext>
             </a:extLst>
           </p:cNvPr>
@@ -233,7 +233,7 @@
           <p:cNvPr id="4" name="Footer Placeholder 3">
             <a:extLst>
               <a:ext uri="{FF2B5EF4-FFF2-40B4-BE49-F238E27FC236}">
-                <a16:creationId xmlns:a16="http://schemas.microsoft.com/office/drawing/2014/main" xmlns="" id="{1989E452-9BCA-4AF5-9A9C-233BF410EAA7}"/>
+                <a16:creationId xmlns="" xmlns:a16="http://schemas.microsoft.com/office/drawing/2014/main" id="{1989E452-9BCA-4AF5-9A9C-233BF410EAA7}"/>
               </a:ext>
             </a:extLst>
           </p:cNvPr>
@@ -270,7 +270,7 @@
           <p:cNvPr id="5" name="Slide Number Placeholder 4">
             <a:extLst>
               <a:ext uri="{FF2B5EF4-FFF2-40B4-BE49-F238E27FC236}">
-                <a16:creationId xmlns:a16="http://schemas.microsoft.com/office/drawing/2014/main" xmlns="" id="{36BF9F63-CE4F-44E2-A07D-7E654DE9F57B}"/>
+                <a16:creationId xmlns="" xmlns:a16="http://schemas.microsoft.com/office/drawing/2014/main" id="{36BF9F63-CE4F-44E2-A07D-7E654DE9F57B}"/>
               </a:ext>
             </a:extLst>
           </p:cNvPr>
@@ -723,7 +723,7 @@
           <a:noFill/>
           <a:extLst>
             <a:ext uri="{909E8E84-426E-40dd-AFC4-6F175D3DCCD1}">
-              <a14:hiddenFill xmlns="" xmlns:a14="http://schemas.microsoft.com/office/drawing/2010/main">
+              <a14:hiddenFill xmlns:a14="http://schemas.microsoft.com/office/drawing/2010/main" xmlns="">
                 <a:solidFill>
                   <a:srgbClr val="FFFFFF"/>
                 </a:solidFill>
@@ -782,7 +782,7 @@
             </a:ln>
             <a:extLst>
               <a:ext uri="{91240B29-F687-4f45-9708-019B960494DF}">
-                <a14:hiddenLine xmlns="" xmlns:a14="http://schemas.microsoft.com/office/drawing/2010/main" w="9525">
+                <a14:hiddenLine xmlns:a14="http://schemas.microsoft.com/office/drawing/2010/main" xmlns="" w="9525">
                   <a:solidFill>
                     <a:srgbClr val="000000"/>
                   </a:solidFill>
@@ -872,7 +872,7 @@
             </a:ln>
             <a:extLst>
               <a:ext uri="{91240B29-F687-4f45-9708-019B960494DF}">
-                <a14:hiddenLine xmlns="" xmlns:a14="http://schemas.microsoft.com/office/drawing/2010/main" w="9525">
+                <a14:hiddenLine xmlns:a14="http://schemas.microsoft.com/office/drawing/2010/main" xmlns="" w="9525">
                   <a:solidFill>
                     <a:srgbClr val="000000"/>
                   </a:solidFill>
@@ -962,7 +962,7 @@
             </a:ln>
             <a:extLst>
               <a:ext uri="{91240B29-F687-4f45-9708-019B960494DF}">
-                <a14:hiddenLine xmlns="" xmlns:a14="http://schemas.microsoft.com/office/drawing/2010/main" w="9525">
+                <a14:hiddenLine xmlns:a14="http://schemas.microsoft.com/office/drawing/2010/main" xmlns="" w="9525">
                   <a:solidFill>
                     <a:srgbClr val="000000"/>
                   </a:solidFill>
@@ -996,7 +996,7 @@
             </a:ln>
             <a:extLst>
               <a:ext uri="{91240B29-F687-4f45-9708-019B960494DF}">
-                <a14:hiddenLine xmlns="" xmlns:a14="http://schemas.microsoft.com/office/drawing/2010/main" w="9525">
+                <a14:hiddenLine xmlns:a14="http://schemas.microsoft.com/office/drawing/2010/main" xmlns="" w="9525">
                   <a:solidFill>
                     <a:srgbClr val="000000"/>
                   </a:solidFill>
@@ -1086,7 +1086,7 @@
             </a:ln>
             <a:extLst>
               <a:ext uri="{91240B29-F687-4f45-9708-019B960494DF}">
-                <a14:hiddenLine xmlns="" xmlns:a14="http://schemas.microsoft.com/office/drawing/2010/main" w="9525">
+                <a14:hiddenLine xmlns:a14="http://schemas.microsoft.com/office/drawing/2010/main" xmlns="" w="9525">
                   <a:solidFill>
                     <a:srgbClr val="000000"/>
                   </a:solidFill>
@@ -1148,7 +1148,7 @@
             </a:ln>
             <a:extLst>
               <a:ext uri="{91240B29-F687-4f45-9708-019B960494DF}">
-                <a14:hiddenLine xmlns="" xmlns:a14="http://schemas.microsoft.com/office/drawing/2010/main" w="9525">
+                <a14:hiddenLine xmlns:a14="http://schemas.microsoft.com/office/drawing/2010/main" xmlns="" w="9525">
                   <a:solidFill>
                     <a:srgbClr val="000000"/>
                   </a:solidFill>
@@ -1210,7 +1210,7 @@
             </a:ln>
             <a:extLst>
               <a:ext uri="{91240B29-F687-4f45-9708-019B960494DF}">
-                <a14:hiddenLine xmlns="" xmlns:a14="http://schemas.microsoft.com/office/drawing/2010/main" w="9525">
+                <a14:hiddenLine xmlns:a14="http://schemas.microsoft.com/office/drawing/2010/main" xmlns="" w="9525">
                   <a:solidFill>
                     <a:srgbClr val="000000"/>
                   </a:solidFill>
@@ -1300,7 +1300,7 @@
             </a:ln>
             <a:extLst>
               <a:ext uri="{91240B29-F687-4f45-9708-019B960494DF}">
-                <a14:hiddenLine xmlns="" xmlns:a14="http://schemas.microsoft.com/office/drawing/2010/main" w="9525">
+                <a14:hiddenLine xmlns:a14="http://schemas.microsoft.com/office/drawing/2010/main" xmlns="" w="9525">
                   <a:solidFill>
                     <a:srgbClr val="000000"/>
                   </a:solidFill>
@@ -1362,7 +1362,7 @@
             </a:ln>
             <a:extLst>
               <a:ext uri="{91240B29-F687-4f45-9708-019B960494DF}">
-                <a14:hiddenLine xmlns="" xmlns:a14="http://schemas.microsoft.com/office/drawing/2010/main" w="9525">
+                <a14:hiddenLine xmlns:a14="http://schemas.microsoft.com/office/drawing/2010/main" xmlns="" w="9525">
                   <a:solidFill>
                     <a:srgbClr val="000000"/>
                   </a:solidFill>
@@ -1424,7 +1424,7 @@
             </a:ln>
             <a:extLst>
               <a:ext uri="{91240B29-F687-4f45-9708-019B960494DF}">
-                <a14:hiddenLine xmlns="" xmlns:a14="http://schemas.microsoft.com/office/drawing/2010/main" w="9525">
+                <a14:hiddenLine xmlns:a14="http://schemas.microsoft.com/office/drawing/2010/main" xmlns="" w="9525">
                   <a:solidFill>
                     <a:srgbClr val="000000"/>
                   </a:solidFill>
@@ -1514,7 +1514,7 @@
             </a:ln>
             <a:extLst>
               <a:ext uri="{91240B29-F687-4f45-9708-019B960494DF}">
-                <a14:hiddenLine xmlns="" xmlns:a14="http://schemas.microsoft.com/office/drawing/2010/main" w="9525">
+                <a14:hiddenLine xmlns:a14="http://schemas.microsoft.com/office/drawing/2010/main" xmlns="" w="9525">
                   <a:solidFill>
                     <a:srgbClr val="000000"/>
                   </a:solidFill>
@@ -1604,7 +1604,7 @@
             </a:ln>
             <a:extLst>
               <a:ext uri="{91240B29-F687-4f45-9708-019B960494DF}">
-                <a14:hiddenLine xmlns="" xmlns:a14="http://schemas.microsoft.com/office/drawing/2010/main" w="9525">
+                <a14:hiddenLine xmlns:a14="http://schemas.microsoft.com/office/drawing/2010/main" xmlns="" w="9525">
                   <a:solidFill>
                     <a:srgbClr val="000000"/>
                   </a:solidFill>
@@ -1666,7 +1666,7 @@
             </a:ln>
             <a:extLst>
               <a:ext uri="{91240B29-F687-4f45-9708-019B960494DF}">
-                <a14:hiddenLine xmlns="" xmlns:a14="http://schemas.microsoft.com/office/drawing/2010/main" w="9525">
+                <a14:hiddenLine xmlns:a14="http://schemas.microsoft.com/office/drawing/2010/main" xmlns="" w="9525">
                   <a:solidFill>
                     <a:srgbClr val="000000"/>
                   </a:solidFill>
@@ -1776,7 +1776,7 @@
             </a:ln>
             <a:extLst>
               <a:ext uri="{91240B29-F687-4f45-9708-019B960494DF}">
-                <a14:hiddenLine xmlns="" xmlns:a14="http://schemas.microsoft.com/office/drawing/2010/main" w="9525">
+                <a14:hiddenLine xmlns:a14="http://schemas.microsoft.com/office/drawing/2010/main" xmlns="" w="9525">
                   <a:solidFill>
                     <a:srgbClr val="000000"/>
                   </a:solidFill>
@@ -1838,7 +1838,7 @@
             </a:ln>
             <a:extLst>
               <a:ext uri="{91240B29-F687-4f45-9708-019B960494DF}">
-                <a14:hiddenLine xmlns="" xmlns:a14="http://schemas.microsoft.com/office/drawing/2010/main" w="9525">
+                <a14:hiddenLine xmlns:a14="http://schemas.microsoft.com/office/drawing/2010/main" xmlns="" w="9525">
                   <a:solidFill>
                     <a:srgbClr val="000000"/>
                   </a:solidFill>
@@ -1928,7 +1928,7 @@
             </a:ln>
             <a:extLst>
               <a:ext uri="{91240B29-F687-4f45-9708-019B960494DF}">
-                <a14:hiddenLine xmlns="" xmlns:a14="http://schemas.microsoft.com/office/drawing/2010/main" w="9525">
+                <a14:hiddenLine xmlns:a14="http://schemas.microsoft.com/office/drawing/2010/main" xmlns="" w="9525">
                   <a:solidFill>
                     <a:srgbClr val="000000"/>
                   </a:solidFill>
@@ -2018,7 +2018,7 @@
             </a:ln>
             <a:extLst>
               <a:ext uri="{91240B29-F687-4f45-9708-019B960494DF}">
-                <a14:hiddenLine xmlns="" xmlns:a14="http://schemas.microsoft.com/office/drawing/2010/main" w="9525">
+                <a14:hiddenLine xmlns:a14="http://schemas.microsoft.com/office/drawing/2010/main" xmlns="" w="9525">
                   <a:solidFill>
                     <a:srgbClr val="000000"/>
                   </a:solidFill>
@@ -2080,7 +2080,7 @@
             </a:ln>
             <a:extLst>
               <a:ext uri="{91240B29-F687-4f45-9708-019B960494DF}">
-                <a14:hiddenLine xmlns="" xmlns:a14="http://schemas.microsoft.com/office/drawing/2010/main" w="9525">
+                <a14:hiddenLine xmlns:a14="http://schemas.microsoft.com/office/drawing/2010/main" xmlns="" w="9525">
                   <a:solidFill>
                     <a:srgbClr val="000000"/>
                   </a:solidFill>
@@ -2170,7 +2170,7 @@
             </a:ln>
             <a:extLst>
               <a:ext uri="{91240B29-F687-4f45-9708-019B960494DF}">
-                <a14:hiddenLine xmlns="" xmlns:a14="http://schemas.microsoft.com/office/drawing/2010/main" w="9525">
+                <a14:hiddenLine xmlns:a14="http://schemas.microsoft.com/office/drawing/2010/main" xmlns="" w="9525">
                   <a:solidFill>
                     <a:srgbClr val="000000"/>
                   </a:solidFill>
@@ -2260,7 +2260,7 @@
             </a:ln>
             <a:extLst>
               <a:ext uri="{91240B29-F687-4f45-9708-019B960494DF}">
-                <a14:hiddenLine xmlns="" xmlns:a14="http://schemas.microsoft.com/office/drawing/2010/main" w="9525">
+                <a14:hiddenLine xmlns:a14="http://schemas.microsoft.com/office/drawing/2010/main" xmlns="" w="9525">
                   <a:solidFill>
                     <a:srgbClr val="000000"/>
                   </a:solidFill>
@@ -2316,7 +2316,7 @@
             </a:ln>
             <a:extLst>
               <a:ext uri="{91240B29-F687-4f45-9708-019B960494DF}">
-                <a14:hiddenLine xmlns="" xmlns:a14="http://schemas.microsoft.com/office/drawing/2010/main" w="9525">
+                <a14:hiddenLine xmlns:a14="http://schemas.microsoft.com/office/drawing/2010/main" xmlns="" w="9525">
                   <a:solidFill>
                     <a:srgbClr val="000000"/>
                   </a:solidFill>
@@ -2406,7 +2406,7 @@
             </a:ln>
             <a:extLst>
               <a:ext uri="{91240B29-F687-4f45-9708-019B960494DF}">
-                <a14:hiddenLine xmlns="" xmlns:a14="http://schemas.microsoft.com/office/drawing/2010/main" w="9525">
+                <a14:hiddenLine xmlns:a14="http://schemas.microsoft.com/office/drawing/2010/main" xmlns="" w="9525">
                   <a:solidFill>
                     <a:srgbClr val="000000"/>
                   </a:solidFill>
@@ -2462,7 +2462,7 @@
             </a:ln>
             <a:extLst>
               <a:ext uri="{91240B29-F687-4f45-9708-019B960494DF}">
-                <a14:hiddenLine xmlns="" xmlns:a14="http://schemas.microsoft.com/office/drawing/2010/main" w="9525">
+                <a14:hiddenLine xmlns:a14="http://schemas.microsoft.com/office/drawing/2010/main" xmlns="" w="9525">
                   <a:solidFill>
                     <a:srgbClr val="000000"/>
                   </a:solidFill>
@@ -2552,7 +2552,7 @@
             </a:ln>
             <a:extLst>
               <a:ext uri="{91240B29-F687-4f45-9708-019B960494DF}">
-                <a14:hiddenLine xmlns="" xmlns:a14="http://schemas.microsoft.com/office/drawing/2010/main" w="9525">
+                <a14:hiddenLine xmlns:a14="http://schemas.microsoft.com/office/drawing/2010/main" xmlns="" w="9525">
                   <a:solidFill>
                     <a:srgbClr val="000000"/>
                   </a:solidFill>
@@ -2620,7 +2620,7 @@
             </a:ln>
             <a:extLst>
               <a:ext uri="{91240B29-F687-4f45-9708-019B960494DF}">
-                <a14:hiddenLine xmlns="" xmlns:a14="http://schemas.microsoft.com/office/drawing/2010/main" w="9525">
+                <a14:hiddenLine xmlns:a14="http://schemas.microsoft.com/office/drawing/2010/main" xmlns="" w="9525">
                   <a:solidFill>
                     <a:srgbClr val="000000"/>
                   </a:solidFill>
@@ -2710,7 +2710,7 @@
             </a:ln>
             <a:extLst>
               <a:ext uri="{91240B29-F687-4f45-9708-019B960494DF}">
-                <a14:hiddenLine xmlns="" xmlns:a14="http://schemas.microsoft.com/office/drawing/2010/main" w="9525">
+                <a14:hiddenLine xmlns:a14="http://schemas.microsoft.com/office/drawing/2010/main" xmlns="" w="9525">
                   <a:solidFill>
                     <a:srgbClr val="000000"/>
                   </a:solidFill>
@@ -2778,7 +2778,7 @@
             </a:ln>
             <a:extLst>
               <a:ext uri="{91240B29-F687-4f45-9708-019B960494DF}">
-                <a14:hiddenLine xmlns="" xmlns:a14="http://schemas.microsoft.com/office/drawing/2010/main" w="9525">
+                <a14:hiddenLine xmlns:a14="http://schemas.microsoft.com/office/drawing/2010/main" xmlns="" w="9525">
                   <a:solidFill>
                     <a:srgbClr val="000000"/>
                   </a:solidFill>
@@ -2868,7 +2868,7 @@
             </a:ln>
             <a:extLst>
               <a:ext uri="{91240B29-F687-4f45-9708-019B960494DF}">
-                <a14:hiddenLine xmlns="" xmlns:a14="http://schemas.microsoft.com/office/drawing/2010/main" w="9525">
+                <a14:hiddenLine xmlns:a14="http://schemas.microsoft.com/office/drawing/2010/main" xmlns="" w="9525">
                   <a:solidFill>
                     <a:srgbClr val="000000"/>
                   </a:solidFill>
@@ -2902,7 +2902,7 @@
             </a:ln>
             <a:extLst>
               <a:ext uri="{91240B29-F687-4f45-9708-019B960494DF}">
-                <a14:hiddenLine xmlns="" xmlns:a14="http://schemas.microsoft.com/office/drawing/2010/main" w="9525">
+                <a14:hiddenLine xmlns:a14="http://schemas.microsoft.com/office/drawing/2010/main" xmlns="" w="9525">
                   <a:solidFill>
                     <a:srgbClr val="000000"/>
                   </a:solidFill>
@@ -2992,7 +2992,7 @@
             </a:ln>
             <a:extLst>
               <a:ext uri="{91240B29-F687-4f45-9708-019B960494DF}">
-                <a14:hiddenLine xmlns="" xmlns:a14="http://schemas.microsoft.com/office/drawing/2010/main" w="9525">
+                <a14:hiddenLine xmlns:a14="http://schemas.microsoft.com/office/drawing/2010/main" xmlns="" w="9525">
                   <a:solidFill>
                     <a:srgbClr val="000000"/>
                   </a:solidFill>
@@ -3054,7 +3054,7 @@
             </a:ln>
             <a:extLst>
               <a:ext uri="{91240B29-F687-4f45-9708-019B960494DF}">
-                <a14:hiddenLine xmlns="" xmlns:a14="http://schemas.microsoft.com/office/drawing/2010/main" w="9525">
+                <a14:hiddenLine xmlns:a14="http://schemas.microsoft.com/office/drawing/2010/main" xmlns="" w="9525">
                   <a:solidFill>
                     <a:srgbClr val="000000"/>
                   </a:solidFill>
@@ -3116,7 +3116,7 @@
             </a:ln>
             <a:extLst>
               <a:ext uri="{91240B29-F687-4f45-9708-019B960494DF}">
-                <a14:hiddenLine xmlns="" xmlns:a14="http://schemas.microsoft.com/office/drawing/2010/main" w="9525">
+                <a14:hiddenLine xmlns:a14="http://schemas.microsoft.com/office/drawing/2010/main" xmlns="" w="9525">
                   <a:solidFill>
                     <a:srgbClr val="000000"/>
                   </a:solidFill>
@@ -3206,7 +3206,7 @@
             </a:ln>
             <a:extLst>
               <a:ext uri="{91240B29-F687-4f45-9708-019B960494DF}">
-                <a14:hiddenLine xmlns="" xmlns:a14="http://schemas.microsoft.com/office/drawing/2010/main" w="9525">
+                <a14:hiddenLine xmlns:a14="http://schemas.microsoft.com/office/drawing/2010/main" xmlns="" w="9525">
                   <a:solidFill>
                     <a:srgbClr val="000000"/>
                   </a:solidFill>
@@ -3274,7 +3274,7 @@
             </a:ln>
             <a:extLst>
               <a:ext uri="{91240B29-F687-4f45-9708-019B960494DF}">
-                <a14:hiddenLine xmlns="" xmlns:a14="http://schemas.microsoft.com/office/drawing/2010/main" w="9525">
+                <a14:hiddenLine xmlns:a14="http://schemas.microsoft.com/office/drawing/2010/main" xmlns="" w="9525">
                   <a:solidFill>
                     <a:srgbClr val="000000"/>
                   </a:solidFill>
@@ -3336,7 +3336,7 @@
             </a:ln>
             <a:extLst>
               <a:ext uri="{91240B29-F687-4f45-9708-019B960494DF}">
-                <a14:hiddenLine xmlns="" xmlns:a14="http://schemas.microsoft.com/office/drawing/2010/main" w="9525">
+                <a14:hiddenLine xmlns:a14="http://schemas.microsoft.com/office/drawing/2010/main" xmlns="" w="9525">
                   <a:solidFill>
                     <a:srgbClr val="000000"/>
                   </a:solidFill>
@@ -3426,7 +3426,7 @@
             </a:ln>
             <a:extLst>
               <a:ext uri="{91240B29-F687-4f45-9708-019B960494DF}">
-                <a14:hiddenLine xmlns="" xmlns:a14="http://schemas.microsoft.com/office/drawing/2010/main" w="9525">
+                <a14:hiddenLine xmlns:a14="http://schemas.microsoft.com/office/drawing/2010/main" xmlns="" w="9525">
                   <a:solidFill>
                     <a:srgbClr val="000000"/>
                   </a:solidFill>
@@ -3488,7 +3488,7 @@
             </a:ln>
             <a:extLst>
               <a:ext uri="{91240B29-F687-4f45-9708-019B960494DF}">
-                <a14:hiddenLine xmlns="" xmlns:a14="http://schemas.microsoft.com/office/drawing/2010/main" w="9525">
+                <a14:hiddenLine xmlns:a14="http://schemas.microsoft.com/office/drawing/2010/main" xmlns="" w="9525">
                   <a:solidFill>
                     <a:srgbClr val="000000"/>
                   </a:solidFill>
@@ -3578,7 +3578,7 @@
             </a:ln>
             <a:extLst>
               <a:ext uri="{91240B29-F687-4f45-9708-019B960494DF}">
-                <a14:hiddenLine xmlns="" xmlns:a14="http://schemas.microsoft.com/office/drawing/2010/main" w="9525">
+                <a14:hiddenLine xmlns:a14="http://schemas.microsoft.com/office/drawing/2010/main" xmlns="" w="9525">
                   <a:solidFill>
                     <a:srgbClr val="000000"/>
                   </a:solidFill>
@@ -3640,7 +3640,7 @@
             </a:ln>
             <a:extLst>
               <a:ext uri="{91240B29-F687-4f45-9708-019B960494DF}">
-                <a14:hiddenLine xmlns="" xmlns:a14="http://schemas.microsoft.com/office/drawing/2010/main" w="9525">
+                <a14:hiddenLine xmlns:a14="http://schemas.microsoft.com/office/drawing/2010/main" xmlns="" w="9525">
                   <a:solidFill>
                     <a:srgbClr val="000000"/>
                   </a:solidFill>
@@ -3730,7 +3730,7 @@
             </a:ln>
             <a:extLst>
               <a:ext uri="{91240B29-F687-4f45-9708-019B960494DF}">
-                <a14:hiddenLine xmlns="" xmlns:a14="http://schemas.microsoft.com/office/drawing/2010/main" w="9525">
+                <a14:hiddenLine xmlns:a14="http://schemas.microsoft.com/office/drawing/2010/main" xmlns="" w="9525">
                   <a:solidFill>
                     <a:srgbClr val="000000"/>
                   </a:solidFill>
@@ -3764,7 +3764,7 @@
             </a:ln>
             <a:extLst>
               <a:ext uri="{91240B29-F687-4f45-9708-019B960494DF}">
-                <a14:hiddenLine xmlns="" xmlns:a14="http://schemas.microsoft.com/office/drawing/2010/main" w="9525">
+                <a14:hiddenLine xmlns:a14="http://schemas.microsoft.com/office/drawing/2010/main" xmlns="" w="9525">
                   <a:solidFill>
                     <a:srgbClr val="000000"/>
                   </a:solidFill>
@@ -3829,7 +3829,7 @@
             </a:ln>
             <a:extLst>
               <a:ext uri="{91240B29-F687-4f45-9708-019B960494DF}">
-                <a14:hiddenLine xmlns="" xmlns:a14="http://schemas.microsoft.com/office/drawing/2010/main" w="9525">
+                <a14:hiddenLine xmlns:a14="http://schemas.microsoft.com/office/drawing/2010/main" xmlns="" w="9525">
                   <a:solidFill>
                     <a:srgbClr val="000000"/>
                   </a:solidFill>
@@ -3919,7 +3919,7 @@
             </a:ln>
             <a:extLst>
               <a:ext uri="{91240B29-F687-4f45-9708-019B960494DF}">
-                <a14:hiddenLine xmlns="" xmlns:a14="http://schemas.microsoft.com/office/drawing/2010/main" w="9525">
+                <a14:hiddenLine xmlns:a14="http://schemas.microsoft.com/office/drawing/2010/main" xmlns="" w="9525">
                   <a:solidFill>
                     <a:srgbClr val="000000"/>
                   </a:solidFill>
@@ -3981,7 +3981,7 @@
             </a:ln>
             <a:extLst>
               <a:ext uri="{91240B29-F687-4f45-9708-019B960494DF}">
-                <a14:hiddenLine xmlns="" xmlns:a14="http://schemas.microsoft.com/office/drawing/2010/main" w="9525">
+                <a14:hiddenLine xmlns:a14="http://schemas.microsoft.com/office/drawing/2010/main" xmlns="" w="9525">
                   <a:solidFill>
                     <a:srgbClr val="000000"/>
                   </a:solidFill>
@@ -4071,7 +4071,7 @@
             </a:ln>
             <a:extLst>
               <a:ext uri="{91240B29-F687-4f45-9708-019B960494DF}">
-                <a14:hiddenLine xmlns="" xmlns:a14="http://schemas.microsoft.com/office/drawing/2010/main" w="9525">
+                <a14:hiddenLine xmlns:a14="http://schemas.microsoft.com/office/drawing/2010/main" xmlns="" w="9525">
                   <a:solidFill>
                     <a:srgbClr val="000000"/>
                   </a:solidFill>
@@ -4161,7 +4161,7 @@
             </a:ln>
             <a:extLst>
               <a:ext uri="{91240B29-F687-4f45-9708-019B960494DF}">
-                <a14:hiddenLine xmlns="" xmlns:a14="http://schemas.microsoft.com/office/drawing/2010/main" w="9525">
+                <a14:hiddenLine xmlns:a14="http://schemas.microsoft.com/office/drawing/2010/main" xmlns="" w="9525">
                   <a:solidFill>
                     <a:srgbClr val="000000"/>
                   </a:solidFill>
@@ -4226,7 +4226,7 @@
             </a:ln>
             <a:extLst>
               <a:ext uri="{91240B29-F687-4f45-9708-019B960494DF}">
-                <a14:hiddenLine xmlns="" xmlns:a14="http://schemas.microsoft.com/office/drawing/2010/main" w="9525">
+                <a14:hiddenLine xmlns:a14="http://schemas.microsoft.com/office/drawing/2010/main" xmlns="" w="9525">
                   <a:solidFill>
                     <a:srgbClr val="000000"/>
                   </a:solidFill>
@@ -4288,7 +4288,7 @@
             </a:ln>
             <a:extLst>
               <a:ext uri="{91240B29-F687-4f45-9708-019B960494DF}">
-                <a14:hiddenLine xmlns="" xmlns:a14="http://schemas.microsoft.com/office/drawing/2010/main" w="9525">
+                <a14:hiddenLine xmlns:a14="http://schemas.microsoft.com/office/drawing/2010/main" xmlns="" w="9525">
                   <a:solidFill>
                     <a:srgbClr val="000000"/>
                   </a:solidFill>
@@ -4378,7 +4378,7 @@
             </a:ln>
             <a:extLst>
               <a:ext uri="{91240B29-F687-4f45-9708-019B960494DF}">
-                <a14:hiddenLine xmlns="" xmlns:a14="http://schemas.microsoft.com/office/drawing/2010/main" w="9525">
+                <a14:hiddenLine xmlns:a14="http://schemas.microsoft.com/office/drawing/2010/main" xmlns="" w="9525">
                   <a:solidFill>
                     <a:srgbClr val="000000"/>
                   </a:solidFill>
@@ -4468,7 +4468,7 @@
             </a:ln>
             <a:extLst>
               <a:ext uri="{91240B29-F687-4f45-9708-019B960494DF}">
-                <a14:hiddenLine xmlns="" xmlns:a14="http://schemas.microsoft.com/office/drawing/2010/main" w="9525">
+                <a14:hiddenLine xmlns:a14="http://schemas.microsoft.com/office/drawing/2010/main" xmlns="" w="9525">
                   <a:solidFill>
                     <a:srgbClr val="000000"/>
                   </a:solidFill>
@@ -4530,7 +4530,7 @@
             </a:ln>
             <a:extLst>
               <a:ext uri="{91240B29-F687-4f45-9708-019B960494DF}">
-                <a14:hiddenLine xmlns="" xmlns:a14="http://schemas.microsoft.com/office/drawing/2010/main" w="9525">
+                <a14:hiddenLine xmlns:a14="http://schemas.microsoft.com/office/drawing/2010/main" xmlns="" w="9525">
                   <a:solidFill>
                     <a:srgbClr val="000000"/>
                   </a:solidFill>
@@ -4650,7 +4650,7 @@
             </a:ln>
             <a:extLst>
               <a:ext uri="{91240B29-F687-4f45-9708-019B960494DF}">
-                <a14:hiddenLine xmlns="" xmlns:a14="http://schemas.microsoft.com/office/drawing/2010/main" w="9525">
+                <a14:hiddenLine xmlns:a14="http://schemas.microsoft.com/office/drawing/2010/main" xmlns="" w="9525">
                   <a:solidFill>
                     <a:srgbClr val="000000"/>
                   </a:solidFill>
@@ -4718,7 +4718,7 @@
             </a:ln>
             <a:extLst>
               <a:ext uri="{91240B29-F687-4f45-9708-019B960494DF}">
-                <a14:hiddenLine xmlns="" xmlns:a14="http://schemas.microsoft.com/office/drawing/2010/main" w="9525">
+                <a14:hiddenLine xmlns:a14="http://schemas.microsoft.com/office/drawing/2010/main" xmlns="" w="9525">
                   <a:solidFill>
                     <a:srgbClr val="000000"/>
                   </a:solidFill>
@@ -4808,7 +4808,7 @@
             </a:ln>
             <a:extLst>
               <a:ext uri="{91240B29-F687-4f45-9708-019B960494DF}">
-                <a14:hiddenLine xmlns="" xmlns:a14="http://schemas.microsoft.com/office/drawing/2010/main" w="9525">
+                <a14:hiddenLine xmlns:a14="http://schemas.microsoft.com/office/drawing/2010/main" xmlns="" w="9525">
                   <a:solidFill>
                     <a:srgbClr val="000000"/>
                   </a:solidFill>
@@ -9622,7 +9622,7 @@
           <a:noFill/>
           <a:extLst>
             <a:ext uri="{909E8E84-426E-40dd-AFC4-6F175D3DCCD1}">
-              <a14:hiddenFill xmlns="" xmlns:a14="http://schemas.microsoft.com/office/drawing/2010/main">
+              <a14:hiddenFill xmlns:a14="http://schemas.microsoft.com/office/drawing/2010/main" xmlns="">
                 <a:solidFill>
                   <a:srgbClr val="FFFFFF"/>
                 </a:solidFill>
@@ -9696,7 +9696,7 @@
               </a:ln>
               <a:extLst>
                 <a:ext uri="{91240B29-F687-4f45-9708-019B960494DF}">
-                  <a14:hiddenLine xmlns="" xmlns:a14="http://schemas.microsoft.com/office/drawing/2010/main" w="9525">
+                  <a14:hiddenLine xmlns:a14="http://schemas.microsoft.com/office/drawing/2010/main" xmlns="" w="9525">
                     <a:solidFill>
                       <a:srgbClr val="000000"/>
                     </a:solidFill>
@@ -9786,7 +9786,7 @@
               </a:ln>
               <a:extLst>
                 <a:ext uri="{91240B29-F687-4f45-9708-019B960494DF}">
-                  <a14:hiddenLine xmlns="" xmlns:a14="http://schemas.microsoft.com/office/drawing/2010/main" w="9525">
+                  <a14:hiddenLine xmlns:a14="http://schemas.microsoft.com/office/drawing/2010/main" xmlns="" w="9525">
                     <a:solidFill>
                       <a:srgbClr val="000000"/>
                     </a:solidFill>
@@ -9876,7 +9876,7 @@
               </a:ln>
               <a:extLst>
                 <a:ext uri="{91240B29-F687-4f45-9708-019B960494DF}">
-                  <a14:hiddenLine xmlns="" xmlns:a14="http://schemas.microsoft.com/office/drawing/2010/main" w="9525">
+                  <a14:hiddenLine xmlns:a14="http://schemas.microsoft.com/office/drawing/2010/main" xmlns="" w="9525">
                     <a:solidFill>
                       <a:srgbClr val="000000"/>
                     </a:solidFill>
@@ -9938,7 +9938,7 @@
               </a:ln>
               <a:extLst>
                 <a:ext uri="{91240B29-F687-4f45-9708-019B960494DF}">
-                  <a14:hiddenLine xmlns="" xmlns:a14="http://schemas.microsoft.com/office/drawing/2010/main" w="9525">
+                  <a14:hiddenLine xmlns:a14="http://schemas.microsoft.com/office/drawing/2010/main" xmlns="" w="9525">
                     <a:solidFill>
                       <a:srgbClr val="000000"/>
                     </a:solidFill>
@@ -10028,7 +10028,7 @@
               </a:ln>
               <a:extLst>
                 <a:ext uri="{91240B29-F687-4f45-9708-019B960494DF}">
-                  <a14:hiddenLine xmlns="" xmlns:a14="http://schemas.microsoft.com/office/drawing/2010/main" w="9525">
+                  <a14:hiddenLine xmlns:a14="http://schemas.microsoft.com/office/drawing/2010/main" xmlns="" w="9525">
                     <a:solidFill>
                       <a:srgbClr val="000000"/>
                     </a:solidFill>
@@ -10090,7 +10090,7 @@
               </a:ln>
               <a:extLst>
                 <a:ext uri="{91240B29-F687-4f45-9708-019B960494DF}">
-                  <a14:hiddenLine xmlns="" xmlns:a14="http://schemas.microsoft.com/office/drawing/2010/main" w="9525">
+                  <a14:hiddenLine xmlns:a14="http://schemas.microsoft.com/office/drawing/2010/main" xmlns="" w="9525">
                     <a:solidFill>
                       <a:srgbClr val="000000"/>
                     </a:solidFill>
@@ -10152,7 +10152,7 @@
               </a:ln>
               <a:extLst>
                 <a:ext uri="{91240B29-F687-4f45-9708-019B960494DF}">
-                  <a14:hiddenLine xmlns="" xmlns:a14="http://schemas.microsoft.com/office/drawing/2010/main" w="9525">
+                  <a14:hiddenLine xmlns:a14="http://schemas.microsoft.com/office/drawing/2010/main" xmlns="" w="9525">
                     <a:solidFill>
                       <a:srgbClr val="000000"/>
                     </a:solidFill>
@@ -10242,7 +10242,7 @@
               </a:ln>
               <a:extLst>
                 <a:ext uri="{91240B29-F687-4f45-9708-019B960494DF}">
-                  <a14:hiddenLine xmlns="" xmlns:a14="http://schemas.microsoft.com/office/drawing/2010/main" w="9525">
+                  <a14:hiddenLine xmlns:a14="http://schemas.microsoft.com/office/drawing/2010/main" xmlns="" w="9525">
                     <a:solidFill>
                       <a:srgbClr val="000000"/>
                     </a:solidFill>
@@ -10332,7 +10332,7 @@
               </a:ln>
               <a:extLst>
                 <a:ext uri="{91240B29-F687-4f45-9708-019B960494DF}">
-                  <a14:hiddenLine xmlns="" xmlns:a14="http://schemas.microsoft.com/office/drawing/2010/main" w="9525">
+                  <a14:hiddenLine xmlns:a14="http://schemas.microsoft.com/office/drawing/2010/main" xmlns="" w="9525">
                     <a:solidFill>
                       <a:srgbClr val="000000"/>
                     </a:solidFill>
@@ -10394,7 +10394,7 @@
               </a:ln>
               <a:extLst>
                 <a:ext uri="{91240B29-F687-4f45-9708-019B960494DF}">
-                  <a14:hiddenLine xmlns="" xmlns:a14="http://schemas.microsoft.com/office/drawing/2010/main" w="9525">
+                  <a14:hiddenLine xmlns:a14="http://schemas.microsoft.com/office/drawing/2010/main" xmlns="" w="9525">
                     <a:solidFill>
                       <a:srgbClr val="000000"/>
                     </a:solidFill>
@@ -10504,7 +10504,7 @@
               </a:ln>
               <a:extLst>
                 <a:ext uri="{91240B29-F687-4f45-9708-019B960494DF}">
-                  <a14:hiddenLine xmlns="" xmlns:a14="http://schemas.microsoft.com/office/drawing/2010/main" w="9525">
+                  <a14:hiddenLine xmlns:a14="http://schemas.microsoft.com/office/drawing/2010/main" xmlns="" w="9525">
                     <a:solidFill>
                       <a:srgbClr val="000000"/>
                     </a:solidFill>
@@ -10588,7 +10588,7 @@
               </a:ln>
               <a:extLst>
                 <a:ext uri="{91240B29-F687-4f45-9708-019B960494DF}">
-                  <a14:hiddenLine xmlns="" xmlns:a14="http://schemas.microsoft.com/office/drawing/2010/main" w="9525">
+                  <a14:hiddenLine xmlns:a14="http://schemas.microsoft.com/office/drawing/2010/main" xmlns="" w="9525">
                     <a:solidFill>
                       <a:srgbClr val="000000"/>
                     </a:solidFill>
@@ -10650,7 +10650,7 @@
               </a:ln>
               <a:extLst>
                 <a:ext uri="{91240B29-F687-4f45-9708-019B960494DF}">
-                  <a14:hiddenLine xmlns="" xmlns:a14="http://schemas.microsoft.com/office/drawing/2010/main" w="9525">
+                  <a14:hiddenLine xmlns:a14="http://schemas.microsoft.com/office/drawing/2010/main" xmlns="" w="9525">
                     <a:solidFill>
                       <a:srgbClr val="000000"/>
                     </a:solidFill>
@@ -10712,7 +10712,7 @@
               </a:ln>
               <a:extLst>
                 <a:ext uri="{91240B29-F687-4f45-9708-019B960494DF}">
-                  <a14:hiddenLine xmlns="" xmlns:a14="http://schemas.microsoft.com/office/drawing/2010/main" w="9525">
+                  <a14:hiddenLine xmlns:a14="http://schemas.microsoft.com/office/drawing/2010/main" xmlns="" w="9525">
                     <a:solidFill>
                       <a:srgbClr val="000000"/>
                     </a:solidFill>
@@ -10802,7 +10802,7 @@
               </a:ln>
               <a:extLst>
                 <a:ext uri="{91240B29-F687-4f45-9708-019B960494DF}">
-                  <a14:hiddenLine xmlns="" xmlns:a14="http://schemas.microsoft.com/office/drawing/2010/main" w="9525">
+                  <a14:hiddenLine xmlns:a14="http://schemas.microsoft.com/office/drawing/2010/main" xmlns="" w="9525">
                     <a:solidFill>
                       <a:srgbClr val="000000"/>
                     </a:solidFill>
@@ -10836,7 +10836,7 @@
               </a:ln>
               <a:extLst>
                 <a:ext uri="{91240B29-F687-4f45-9708-019B960494DF}">
-                  <a14:hiddenLine xmlns="" xmlns:a14="http://schemas.microsoft.com/office/drawing/2010/main" w="9525">
+                  <a14:hiddenLine xmlns:a14="http://schemas.microsoft.com/office/drawing/2010/main" xmlns="" w="9525">
                     <a:solidFill>
                       <a:srgbClr val="000000"/>
                     </a:solidFill>
@@ -10901,7 +10901,7 @@
               </a:ln>
               <a:extLst>
                 <a:ext uri="{91240B29-F687-4f45-9708-019B960494DF}">
-                  <a14:hiddenLine xmlns="" xmlns:a14="http://schemas.microsoft.com/office/drawing/2010/main" w="9525">
+                  <a14:hiddenLine xmlns:a14="http://schemas.microsoft.com/office/drawing/2010/main" xmlns="" w="9525">
                     <a:solidFill>
                       <a:srgbClr val="000000"/>
                     </a:solidFill>
@@ -10991,7 +10991,7 @@
               </a:ln>
               <a:extLst>
                 <a:ext uri="{91240B29-F687-4f45-9708-019B960494DF}">
-                  <a14:hiddenLine xmlns="" xmlns:a14="http://schemas.microsoft.com/office/drawing/2010/main" w="9525">
+                  <a14:hiddenLine xmlns:a14="http://schemas.microsoft.com/office/drawing/2010/main" xmlns="" w="9525">
                     <a:solidFill>
                       <a:srgbClr val="000000"/>
                     </a:solidFill>
@@ -11053,7 +11053,7 @@
               </a:ln>
               <a:extLst>
                 <a:ext uri="{91240B29-F687-4f45-9708-019B960494DF}">
-                  <a14:hiddenLine xmlns="" xmlns:a14="http://schemas.microsoft.com/office/drawing/2010/main" w="9525">
+                  <a14:hiddenLine xmlns:a14="http://schemas.microsoft.com/office/drawing/2010/main" xmlns="" w="9525">
                     <a:solidFill>
                       <a:srgbClr val="000000"/>
                     </a:solidFill>
@@ -11143,7 +11143,7 @@
               </a:ln>
               <a:extLst>
                 <a:ext uri="{91240B29-F687-4f45-9708-019B960494DF}">
-                  <a14:hiddenLine xmlns="" xmlns:a14="http://schemas.microsoft.com/office/drawing/2010/main" w="9525">
+                  <a14:hiddenLine xmlns:a14="http://schemas.microsoft.com/office/drawing/2010/main" xmlns="" w="9525">
                     <a:solidFill>
                       <a:srgbClr val="000000"/>
                     </a:solidFill>
@@ -11208,7 +11208,7 @@
               </a:ln>
               <a:extLst>
                 <a:ext uri="{91240B29-F687-4f45-9708-019B960494DF}">
-                  <a14:hiddenLine xmlns="" xmlns:a14="http://schemas.microsoft.com/office/drawing/2010/main" w="9525">
+                  <a14:hiddenLine xmlns:a14="http://schemas.microsoft.com/office/drawing/2010/main" xmlns="" w="9525">
                     <a:solidFill>
                       <a:srgbClr val="000000"/>
                     </a:solidFill>
@@ -11270,7 +11270,7 @@
               </a:ln>
               <a:extLst>
                 <a:ext uri="{91240B29-F687-4f45-9708-019B960494DF}">
-                  <a14:hiddenLine xmlns="" xmlns:a14="http://schemas.microsoft.com/office/drawing/2010/main" w="9525">
+                  <a14:hiddenLine xmlns:a14="http://schemas.microsoft.com/office/drawing/2010/main" xmlns="" w="9525">
                     <a:solidFill>
                       <a:srgbClr val="000000"/>
                     </a:solidFill>
@@ -11360,7 +11360,7 @@
               </a:ln>
               <a:extLst>
                 <a:ext uri="{91240B29-F687-4f45-9708-019B960494DF}">
-                  <a14:hiddenLine xmlns="" xmlns:a14="http://schemas.microsoft.com/office/drawing/2010/main" w="9525">
+                  <a14:hiddenLine xmlns:a14="http://schemas.microsoft.com/office/drawing/2010/main" xmlns="" w="9525">
                     <a:solidFill>
                       <a:srgbClr val="000000"/>
                     </a:solidFill>
@@ -11450,7 +11450,7 @@
               </a:ln>
               <a:extLst>
                 <a:ext uri="{91240B29-F687-4f45-9708-019B960494DF}">
-                  <a14:hiddenLine xmlns="" xmlns:a14="http://schemas.microsoft.com/office/drawing/2010/main" w="9525">
+                  <a14:hiddenLine xmlns:a14="http://schemas.microsoft.com/office/drawing/2010/main" xmlns="" w="9525">
                     <a:solidFill>
                       <a:srgbClr val="000000"/>
                     </a:solidFill>
@@ -11515,7 +11515,7 @@
               </a:ln>
               <a:extLst>
                 <a:ext uri="{91240B29-F687-4f45-9708-019B960494DF}">
-                  <a14:hiddenLine xmlns="" xmlns:a14="http://schemas.microsoft.com/office/drawing/2010/main" w="9525">
+                  <a14:hiddenLine xmlns:a14="http://schemas.microsoft.com/office/drawing/2010/main" xmlns="" w="9525">
                     <a:solidFill>
                       <a:srgbClr val="000000"/>
                     </a:solidFill>
@@ -11635,7 +11635,7 @@
               </a:ln>
               <a:extLst>
                 <a:ext uri="{91240B29-F687-4f45-9708-019B960494DF}">
-                  <a14:hiddenLine xmlns="" xmlns:a14="http://schemas.microsoft.com/office/drawing/2010/main" w="9525">
+                  <a14:hiddenLine xmlns:a14="http://schemas.microsoft.com/office/drawing/2010/main" xmlns="" w="9525">
                     <a:solidFill>
                       <a:srgbClr val="000000"/>
                     </a:solidFill>
@@ -11716,7 +11716,7 @@
               </a:ln>
               <a:extLst>
                 <a:ext uri="{91240B29-F687-4f45-9708-019B960494DF}">
-                  <a14:hiddenLine xmlns="" xmlns:a14="http://schemas.microsoft.com/office/drawing/2010/main" w="9525">
+                  <a14:hiddenLine xmlns:a14="http://schemas.microsoft.com/office/drawing/2010/main" xmlns="" w="9525">
                     <a:solidFill>
                       <a:srgbClr val="000000"/>
                     </a:solidFill>
@@ -11831,7 +11831,7 @@
               </a:ln>
               <a:extLst>
                 <a:ext uri="{91240B29-F687-4f45-9708-019B960494DF}">
-                  <a14:hiddenLine xmlns="" xmlns:a14="http://schemas.microsoft.com/office/drawing/2010/main" w="9525">
+                  <a14:hiddenLine xmlns:a14="http://schemas.microsoft.com/office/drawing/2010/main" xmlns="" w="9525">
                     <a:solidFill>
                       <a:srgbClr val="000000"/>
                     </a:solidFill>
@@ -11921,7 +11921,7 @@
               </a:ln>
               <a:extLst>
                 <a:ext uri="{91240B29-F687-4f45-9708-019B960494DF}">
-                  <a14:hiddenLine xmlns="" xmlns:a14="http://schemas.microsoft.com/office/drawing/2010/main" w="9525">
+                  <a14:hiddenLine xmlns:a14="http://schemas.microsoft.com/office/drawing/2010/main" xmlns="" w="9525">
                     <a:solidFill>
                       <a:srgbClr val="000000"/>
                     </a:solidFill>
@@ -11986,7 +11986,7 @@
               </a:ln>
               <a:extLst>
                 <a:ext uri="{91240B29-F687-4f45-9708-019B960494DF}">
-                  <a14:hiddenLine xmlns="" xmlns:a14="http://schemas.microsoft.com/office/drawing/2010/main" w="9525">
+                  <a14:hiddenLine xmlns:a14="http://schemas.microsoft.com/office/drawing/2010/main" xmlns="" w="9525">
                     <a:solidFill>
                       <a:srgbClr val="000000"/>
                     </a:solidFill>
@@ -12076,7 +12076,7 @@
               </a:ln>
               <a:extLst>
                 <a:ext uri="{91240B29-F687-4f45-9708-019B960494DF}">
-                  <a14:hiddenLine xmlns="" xmlns:a14="http://schemas.microsoft.com/office/drawing/2010/main" w="9525">
+                  <a14:hiddenLine xmlns:a14="http://schemas.microsoft.com/office/drawing/2010/main" xmlns="" w="9525">
                     <a:solidFill>
                       <a:srgbClr val="000000"/>
                     </a:solidFill>
@@ -12144,7 +12144,7 @@
               </a:ln>
               <a:extLst>
                 <a:ext uri="{91240B29-F687-4f45-9708-019B960494DF}">
-                  <a14:hiddenLine xmlns="" xmlns:a14="http://schemas.microsoft.com/office/drawing/2010/main" w="9525">
+                  <a14:hiddenLine xmlns:a14="http://schemas.microsoft.com/office/drawing/2010/main" xmlns="" w="9525">
                     <a:solidFill>
                       <a:srgbClr val="000000"/>
                     </a:solidFill>
@@ -12234,7 +12234,7 @@
               </a:ln>
               <a:extLst>
                 <a:ext uri="{91240B29-F687-4f45-9708-019B960494DF}">
-                  <a14:hiddenLine xmlns="" xmlns:a14="http://schemas.microsoft.com/office/drawing/2010/main" w="9525">
+                  <a14:hiddenLine xmlns:a14="http://schemas.microsoft.com/office/drawing/2010/main" xmlns="" w="9525">
                     <a:solidFill>
                       <a:srgbClr val="000000"/>
                     </a:solidFill>
@@ -12302,7 +12302,7 @@
               </a:ln>
               <a:extLst>
                 <a:ext uri="{91240B29-F687-4f45-9708-019B960494DF}">
-                  <a14:hiddenLine xmlns="" xmlns:a14="http://schemas.microsoft.com/office/drawing/2010/main" w="9525">
+                  <a14:hiddenLine xmlns:a14="http://schemas.microsoft.com/office/drawing/2010/main" xmlns="" w="9525">
                     <a:solidFill>
                       <a:srgbClr val="000000"/>
                     </a:solidFill>
@@ -12392,7 +12392,7 @@
               </a:ln>
               <a:extLst>
                 <a:ext uri="{91240B29-F687-4f45-9708-019B960494DF}">
-                  <a14:hiddenLine xmlns="" xmlns:a14="http://schemas.microsoft.com/office/drawing/2010/main" w="9525">
+                  <a14:hiddenLine xmlns:a14="http://schemas.microsoft.com/office/drawing/2010/main" xmlns="" w="9525">
                     <a:solidFill>
                       <a:srgbClr val="000000"/>
                     </a:solidFill>
@@ -12426,7 +12426,7 @@
               </a:ln>
               <a:extLst>
                 <a:ext uri="{91240B29-F687-4f45-9708-019B960494DF}">
-                  <a14:hiddenLine xmlns="" xmlns:a14="http://schemas.microsoft.com/office/drawing/2010/main" w="9525">
+                  <a14:hiddenLine xmlns:a14="http://schemas.microsoft.com/office/drawing/2010/main" xmlns="" w="9525">
                     <a:solidFill>
                       <a:srgbClr val="000000"/>
                     </a:solidFill>
@@ -12993,7 +12993,7 @@
           <p:cNvPr id="3" name="Subtitle 2">
             <a:extLst>
               <a:ext uri="{FF2B5EF4-FFF2-40B4-BE49-F238E27FC236}">
-                <a16:creationId xmlns:a16="http://schemas.microsoft.com/office/drawing/2014/main" xmlns="" id="{2E78725B-6E40-4D82-B375-7831D81C29EE}"/>
+                <a16:creationId xmlns="" xmlns:a16="http://schemas.microsoft.com/office/drawing/2014/main" id="{2E78725B-6E40-4D82-B375-7831D81C29EE}"/>
               </a:ext>
             </a:extLst>
           </p:cNvPr>
@@ -13227,13 +13227,13 @@
   <p:clrMapOvr>
     <a:masterClrMapping/>
   </p:clrMapOvr>
-  <mc:AlternateContent xmlns:mc="http://schemas.openxmlformats.org/markup-compatibility/2006">
-    <mc:Choice xmlns:p14="http://schemas.microsoft.com/office/powerpoint/2010/main" Requires="p14">
+  <mc:AlternateContent xmlns:mc="http://schemas.openxmlformats.org/markup-compatibility/2006" xmlns:p14="http://schemas.microsoft.com/office/powerpoint/2010/main">
+    <mc:Choice Requires="p14">
       <p:transition spd="med" p14:dur="700">
         <p:fade/>
       </p:transition>
     </mc:Choice>
-    <mc:Fallback>
+    <mc:Fallback xmlns="">
       <p:transition spd="med">
         <p:fade/>
       </p:transition>
@@ -13405,13 +13405,13 @@
   <p:clrMapOvr>
     <a:masterClrMapping/>
   </p:clrMapOvr>
-  <mc:AlternateContent xmlns:mc="http://schemas.openxmlformats.org/markup-compatibility/2006">
-    <mc:Choice xmlns:p14="http://schemas.microsoft.com/office/powerpoint/2010/main" Requires="p14">
+  <mc:AlternateContent xmlns:mc="http://schemas.openxmlformats.org/markup-compatibility/2006" xmlns:p14="http://schemas.microsoft.com/office/powerpoint/2010/main">
+    <mc:Choice Requires="p14">
       <p:transition spd="med" p14:dur="700">
         <p:fade/>
       </p:transition>
     </mc:Choice>
-    <mc:Fallback>
+    <mc:Fallback xmlns="">
       <p:transition spd="med">
         <p:fade/>
       </p:transition>
@@ -13829,13 +13829,21 @@
           <a:p>
             <a:r>
               <a:rPr lang="en-US" dirty="0" smtClean="0"/>
-              <a:t>Save your lock and secure it</a:t>
+              <a:t>Save your </a:t>
             </a:r>
-          </a:p>
-          <a:p>
+            <a:r>
+              <a:rPr lang="en-US" dirty="0" smtClean="0"/>
+              <a:t>lock</a:t>
+            </a:r>
+          </a:p>
+          <a:p>
+            <a:r>
+              <a:rPr lang="en-US" dirty="0" smtClean="0"/>
+              <a:t>You </a:t>
+            </a:r>
             <a:r>
               <a:rPr lang="en-US" dirty="0"/>
-              <a:t>You can lock/unlock when you are paired</a:t>
+              <a:t>can lock/unlock when you are paired</a:t>
             </a:r>
           </a:p>
           <a:p>
@@ -14102,13 +14110,13 @@
   <p:clrMapOvr>
     <a:masterClrMapping/>
   </p:clrMapOvr>
-  <mc:AlternateContent xmlns:mc="http://schemas.openxmlformats.org/markup-compatibility/2006">
-    <mc:Choice xmlns:p14="http://schemas.microsoft.com/office/powerpoint/2010/main" Requires="p14">
+  <mc:AlternateContent xmlns:mc="http://schemas.openxmlformats.org/markup-compatibility/2006" xmlns:p14="http://schemas.microsoft.com/office/powerpoint/2010/main">
+    <mc:Choice Requires="p14">
       <p:transition spd="med" p14:dur="700">
         <p:fade/>
       </p:transition>
     </mc:Choice>
-    <mc:Fallback>
+    <mc:Fallback xmlns="">
       <p:transition spd="med">
         <p:fade/>
       </p:transition>
@@ -14249,7 +14257,7 @@
         </p:nvSpPr>
         <p:spPr>
           <a:xfrm>
-            <a:off x="2563812" y="2447319"/>
+            <a:off x="2474912" y="593119"/>
             <a:ext cx="7015616" cy="1478570"/>
           </a:xfrm>
         </p:spPr>
@@ -14267,6 +14275,36 @@
           </a:p>
         </p:txBody>
       </p:sp>
+      <p:pic>
+        <p:nvPicPr>
+          <p:cNvPr id="3" name="Picture 2"/>
+          <p:cNvPicPr>
+            <a:picLocks noChangeAspect="1"/>
+          </p:cNvPicPr>
+          <p:nvPr/>
+        </p:nvPicPr>
+        <p:blipFill>
+          <a:blip r:embed="rId2">
+            <a:extLst>
+              <a:ext uri="{28A0092B-C50C-407E-A947-70E740481C1C}">
+                <a14:useLocalDpi xmlns:a14="http://schemas.microsoft.com/office/drawing/2010/main" val="0"/>
+              </a:ext>
+            </a:extLst>
+          </a:blip>
+          <a:stretch>
+            <a:fillRect/>
+          </a:stretch>
+        </p:blipFill>
+        <p:spPr>
+          <a:xfrm>
+            <a:off x="3665116" y="2071689"/>
+            <a:ext cx="4635208" cy="4305300"/>
+          </a:xfrm>
+          <a:prstGeom prst="rect">
+            <a:avLst/>
+          </a:prstGeom>
+        </p:spPr>
+      </p:pic>
     </p:spTree>
     <p:extLst>
       <p:ext uri="{BB962C8B-B14F-4D97-AF65-F5344CB8AC3E}">
@@ -15131,6 +15169,14 @@
 </file>
 
 <file path=customXml/item2.xml><?xml version="1.0" encoding="utf-8"?>
+<p:properties xmlns:p="http://schemas.microsoft.com/office/2006/metadata/properties" xmlns:xsi="http://www.w3.org/2001/XMLSchema-instance" xmlns:pc="http://schemas.microsoft.com/office/infopath/2007/PartnerControls">
+  <documentManagement>
+    <MediaServiceKeyPoints xmlns="71af3243-3dd4-4a8d-8c0d-dd76da1f02a5" xsi:nil="true"/>
+  </documentManagement>
+</p:properties>
+</file>
+
+<file path=customXml/item3.xml><?xml version="1.0" encoding="utf-8"?>
 <ct:contentTypeSchema xmlns:ct="http://schemas.microsoft.com/office/2006/metadata/contentType" xmlns:ma="http://schemas.microsoft.com/office/2006/metadata/properties/metaAttributes" ct:_="" ma:_="" ma:contentTypeName="Document" ma:contentTypeID="0x01010079F111ED35F8CC479449609E8A0923A6" ma:contentTypeVersion="11" ma:contentTypeDescription="Create a new document." ma:contentTypeScope="" ma:versionID="96291512c1ee715ab617f4c07df79fc1">
   <xsd:schema xmlns:xsd="http://www.w3.org/2001/XMLSchema" xmlns:xs="http://www.w3.org/2001/XMLSchema" xmlns:p="http://schemas.microsoft.com/office/2006/metadata/properties" xmlns:ns2="71af3243-3dd4-4a8d-8c0d-dd76da1f02a5" xmlns:ns3="16c05727-aa75-4e4a-9b5f-8a80a1165891" targetNamespace="http://schemas.microsoft.com/office/2006/metadata/properties" ma:root="true" ma:fieldsID="8256c27c40ca5c40ce1cf6c44f0205df" ns2:_="" ns3:_="">
     <xsd:import namespace="71af3243-3dd4-4a8d-8c0d-dd76da1f02a5"/>
@@ -15341,14 +15387,6 @@
 </ct:contentTypeSchema>
 </file>
 
-<file path=customXml/item3.xml><?xml version="1.0" encoding="utf-8"?>
-<p:properties xmlns:p="http://schemas.microsoft.com/office/2006/metadata/properties" xmlns:xsi="http://www.w3.org/2001/XMLSchema-instance" xmlns:pc="http://schemas.microsoft.com/office/infopath/2007/PartnerControls">
-  <documentManagement>
-    <MediaServiceKeyPoints xmlns="71af3243-3dd4-4a8d-8c0d-dd76da1f02a5" xsi:nil="true"/>
-  </documentManagement>
-</p:properties>
-</file>
-
 <file path=customXml/itemProps1.xml><?xml version="1.0" encoding="utf-8"?>
 <ds:datastoreItem xmlns:ds="http://schemas.openxmlformats.org/officeDocument/2006/customXml" ds:itemID="{B579702B-25C7-40D7-9E29-7686B11A9660}">
   <ds:schemaRefs>
@@ -15358,6 +15396,23 @@
 </file>
 
 <file path=customXml/itemProps2.xml><?xml version="1.0" encoding="utf-8"?>
+<ds:datastoreItem xmlns:ds="http://schemas.openxmlformats.org/officeDocument/2006/customXml" ds:itemID="{E7866CFD-F94E-4AE5-ACEA-86FEC0F48A10}">
+  <ds:schemaRefs>
+    <ds:schemaRef ds:uri="http://schemas.microsoft.com/office/2006/metadata/properties"/>
+    <ds:schemaRef ds:uri="http://purl.org/dc/terms/"/>
+    <ds:schemaRef ds:uri="http://purl.org/dc/elements/1.1/"/>
+    <ds:schemaRef ds:uri="http://schemas.microsoft.com/office/2006/documentManagement/types"/>
+    <ds:schemaRef ds:uri="http://schemas.microsoft.com/office/infopath/2007/PartnerControls"/>
+    <ds:schemaRef ds:uri="http://www.w3.org/XML/1998/namespace"/>
+    <ds:schemaRef ds:uri="http://purl.org/dc/dcmitype/"/>
+    <ds:schemaRef ds:uri="http://schemas.openxmlformats.org/package/2006/metadata/core-properties"/>
+    <ds:schemaRef ds:uri="16c05727-aa75-4e4a-9b5f-8a80a1165891"/>
+    <ds:schemaRef ds:uri="71af3243-3dd4-4a8d-8c0d-dd76da1f02a5"/>
+  </ds:schemaRefs>
+</ds:datastoreItem>
+</file>
+
+<file path=customXml/itemProps3.xml><?xml version="1.0" encoding="utf-8"?>
 <ds:datastoreItem xmlns:ds="http://schemas.openxmlformats.org/officeDocument/2006/customXml" ds:itemID="{A7C0B241-13E5-418D-8920-D23491E2D2C0}">
   <ds:schemaRefs>
     <ds:schemaRef ds:uri="http://schemas.microsoft.com/office/2006/metadata/contentType"/>
@@ -15374,21 +15429,4 @@
     <ds:schemaRef ds:uri="http://schemas.microsoft.com/internal/obd"/>
   </ds:schemaRefs>
 </ds:datastoreItem>
-</file>
-
-<file path=customXml/itemProps3.xml><?xml version="1.0" encoding="utf-8"?>
-<ds:datastoreItem xmlns:ds="http://schemas.openxmlformats.org/officeDocument/2006/customXml" ds:itemID="{E7866CFD-F94E-4AE5-ACEA-86FEC0F48A10}">
-  <ds:schemaRefs>
-    <ds:schemaRef ds:uri="http://schemas.microsoft.com/office/2006/metadata/properties"/>
-    <ds:schemaRef ds:uri="http://purl.org/dc/elements/1.1/"/>
-    <ds:schemaRef ds:uri="http://purl.org/dc/dcmitype/"/>
-    <ds:schemaRef ds:uri="http://www.w3.org/XML/1998/namespace"/>
-    <ds:schemaRef ds:uri="http://schemas.microsoft.com/office/2006/documentManagement/types"/>
-    <ds:schemaRef ds:uri="http://schemas.microsoft.com/office/infopath/2007/PartnerControls"/>
-    <ds:schemaRef ds:uri="http://schemas.openxmlformats.org/package/2006/metadata/core-properties"/>
-    <ds:schemaRef ds:uri="16c05727-aa75-4e4a-9b5f-8a80a1165891"/>
-    <ds:schemaRef ds:uri="71af3243-3dd4-4a8d-8c0d-dd76da1f02a5"/>
-    <ds:schemaRef ds:uri="http://purl.org/dc/terms/"/>
-  </ds:schemaRefs>
-</ds:datastoreItem>
 </file>